--- a/넷플릭스 영화 추천 시스템 최종.pptx
+++ b/넷플릭스 영화 추천 시스템 최종.pptx
@@ -20,10 +20,10 @@
     <p:sldId id="269" r:id="rId14"/>
     <p:sldId id="260" r:id="rId15"/>
     <p:sldId id="273" r:id="rId16"/>
-    <p:sldId id="275" r:id="rId17"/>
-    <p:sldId id="274" r:id="rId18"/>
-    <p:sldId id="261" r:id="rId19"/>
-    <p:sldId id="277" r:id="rId20"/>
+    <p:sldId id="274" r:id="rId17"/>
+    <p:sldId id="261" r:id="rId18"/>
+    <p:sldId id="281" r:id="rId19"/>
+    <p:sldId id="280" r:id="rId20"/>
   </p:sldIdLst>
   <p:sldSz cx="12192000" cy="6858000"/>
   <p:notesSz cx="6858000" cy="9144000"/>
@@ -3031,7 +3031,7 @@
           <a:p>
             <a:fld id="{EDB9A14E-BF52-4771-92ED-076D0E1BCE07}" type="datetimeFigureOut">
               <a:rPr lang="ko-KR" altLang="en-US" smtClean="0"/>
-              <a:t>2024-12-10</a:t>
+              <a:t>2024-12-12</a:t>
             </a:fld>
             <a:endParaRPr lang="ko-KR" altLang="en-US"/>
           </a:p>
@@ -3229,7 +3229,7 @@
           <a:p>
             <a:fld id="{EDB9A14E-BF52-4771-92ED-076D0E1BCE07}" type="datetimeFigureOut">
               <a:rPr lang="ko-KR" altLang="en-US" smtClean="0"/>
-              <a:t>2024-12-10</a:t>
+              <a:t>2024-12-12</a:t>
             </a:fld>
             <a:endParaRPr lang="ko-KR" altLang="en-US"/>
           </a:p>
@@ -3437,7 +3437,7 @@
           <a:p>
             <a:fld id="{EDB9A14E-BF52-4771-92ED-076D0E1BCE07}" type="datetimeFigureOut">
               <a:rPr lang="ko-KR" altLang="en-US" smtClean="0"/>
-              <a:t>2024-12-10</a:t>
+              <a:t>2024-12-12</a:t>
             </a:fld>
             <a:endParaRPr lang="ko-KR" altLang="en-US"/>
           </a:p>
@@ -3635,7 +3635,7 @@
           <a:p>
             <a:fld id="{EDB9A14E-BF52-4771-92ED-076D0E1BCE07}" type="datetimeFigureOut">
               <a:rPr lang="ko-KR" altLang="en-US" smtClean="0"/>
-              <a:t>2024-12-10</a:t>
+              <a:t>2024-12-12</a:t>
             </a:fld>
             <a:endParaRPr lang="ko-KR" altLang="en-US"/>
           </a:p>
@@ -3910,7 +3910,7 @@
           <a:p>
             <a:fld id="{EDB9A14E-BF52-4771-92ED-076D0E1BCE07}" type="datetimeFigureOut">
               <a:rPr lang="ko-KR" altLang="en-US" smtClean="0"/>
-              <a:t>2024-12-10</a:t>
+              <a:t>2024-12-12</a:t>
             </a:fld>
             <a:endParaRPr lang="ko-KR" altLang="en-US"/>
           </a:p>
@@ -4175,7 +4175,7 @@
           <a:p>
             <a:fld id="{EDB9A14E-BF52-4771-92ED-076D0E1BCE07}" type="datetimeFigureOut">
               <a:rPr lang="ko-KR" altLang="en-US" smtClean="0"/>
-              <a:t>2024-12-10</a:t>
+              <a:t>2024-12-12</a:t>
             </a:fld>
             <a:endParaRPr lang="ko-KR" altLang="en-US"/>
           </a:p>
@@ -4587,7 +4587,7 @@
           <a:p>
             <a:fld id="{EDB9A14E-BF52-4771-92ED-076D0E1BCE07}" type="datetimeFigureOut">
               <a:rPr lang="ko-KR" altLang="en-US" smtClean="0"/>
-              <a:t>2024-12-10</a:t>
+              <a:t>2024-12-12</a:t>
             </a:fld>
             <a:endParaRPr lang="ko-KR" altLang="en-US"/>
           </a:p>
@@ -4728,7 +4728,7 @@
           <a:p>
             <a:fld id="{EDB9A14E-BF52-4771-92ED-076D0E1BCE07}" type="datetimeFigureOut">
               <a:rPr lang="ko-KR" altLang="en-US" smtClean="0"/>
-              <a:t>2024-12-10</a:t>
+              <a:t>2024-12-12</a:t>
             </a:fld>
             <a:endParaRPr lang="ko-KR" altLang="en-US"/>
           </a:p>
@@ -4841,7 +4841,7 @@
           <a:p>
             <a:fld id="{EDB9A14E-BF52-4771-92ED-076D0E1BCE07}" type="datetimeFigureOut">
               <a:rPr lang="ko-KR" altLang="en-US" smtClean="0"/>
-              <a:t>2024-12-10</a:t>
+              <a:t>2024-12-12</a:t>
             </a:fld>
             <a:endParaRPr lang="ko-KR" altLang="en-US"/>
           </a:p>
@@ -5152,7 +5152,7 @@
           <a:p>
             <a:fld id="{EDB9A14E-BF52-4771-92ED-076D0E1BCE07}" type="datetimeFigureOut">
               <a:rPr lang="ko-KR" altLang="en-US" smtClean="0"/>
-              <a:t>2024-12-10</a:t>
+              <a:t>2024-12-12</a:t>
             </a:fld>
             <a:endParaRPr lang="ko-KR" altLang="en-US"/>
           </a:p>
@@ -5440,7 +5440,7 @@
           <a:p>
             <a:fld id="{EDB9A14E-BF52-4771-92ED-076D0E1BCE07}" type="datetimeFigureOut">
               <a:rPr lang="ko-KR" altLang="en-US" smtClean="0"/>
-              <a:t>2024-12-10</a:t>
+              <a:t>2024-12-12</a:t>
             </a:fld>
             <a:endParaRPr lang="ko-KR" altLang="en-US"/>
           </a:p>
@@ -5681,7 +5681,7 @@
           <a:p>
             <a:fld id="{EDB9A14E-BF52-4771-92ED-076D0E1BCE07}" type="datetimeFigureOut">
               <a:rPr lang="ko-KR" altLang="en-US" smtClean="0"/>
-              <a:t>2024-12-10</a:t>
+              <a:t>2024-12-12</a:t>
             </a:fld>
             <a:endParaRPr lang="ko-KR" altLang="en-US"/>
           </a:p>
@@ -6720,7 +6720,7 @@
           <a:lstStyle/>
           <a:p>
             <a:r>
-              <a:rPr lang="ko-KR" altLang="en-US" sz="5200" b="1">
+              <a:rPr lang="ko-KR" altLang="en-US" sz="5200" b="1" dirty="0">
                 <a:solidFill>
                   <a:srgbClr val="FFFFFF"/>
                 </a:solidFill>
@@ -6753,13 +6753,13 @@
           </a:xfrm>
         </p:spPr>
         <p:txBody>
-          <a:bodyPr>
+          <a:bodyPr anchor="ctr">
             <a:normAutofit/>
           </a:bodyPr>
           <a:lstStyle/>
           <a:p>
             <a:r>
-              <a:rPr lang="en-US" altLang="ko-KR" b="1">
+              <a:rPr lang="en-US" altLang="ko-KR" b="1" dirty="0">
                 <a:solidFill>
                   <a:srgbClr val="FFFFFF"/>
                 </a:solidFill>
@@ -6767,14 +6767,14 @@
               <a:t>K-</a:t>
             </a:r>
             <a:r>
-              <a:rPr lang="ko-KR" altLang="en-US" b="1">
+              <a:rPr lang="ko-KR" altLang="en-US" b="1" dirty="0">
                 <a:solidFill>
                   <a:srgbClr val="FFFFFF"/>
                 </a:solidFill>
               </a:rPr>
               <a:t>평균</a:t>
             </a:r>
-            <a:endParaRPr lang="en-US" altLang="ko-KR" b="1">
+            <a:endParaRPr lang="en-US" altLang="ko-KR" b="1" dirty="0">
               <a:solidFill>
                 <a:srgbClr val="FFFFFF"/>
               </a:solidFill>
@@ -6782,7 +6782,7 @@
           </a:p>
           <a:p>
             <a:r>
-              <a:rPr lang="en-US" altLang="ko-KR" b="1">
+              <a:rPr lang="en-US" altLang="ko-KR" b="1" dirty="0">
                 <a:solidFill>
                   <a:srgbClr val="FFFFFF"/>
                 </a:solidFill>
@@ -6792,7 +6792,7 @@
           </a:p>
           <a:p>
             <a:r>
-              <a:rPr lang="en-US" altLang="ko-KR" b="1">
+              <a:rPr lang="en-US" altLang="ko-KR" b="1" dirty="0">
                 <a:solidFill>
                   <a:srgbClr val="FFFFFF"/>
                 </a:solidFill>
@@ -6801,7 +6801,7 @@
             </a:r>
           </a:p>
           <a:p>
-            <a:endParaRPr lang="ko-KR" altLang="en-US">
+            <a:endParaRPr lang="ko-KR" altLang="en-US" dirty="0">
               <a:solidFill>
                 <a:srgbClr val="FFFFFF"/>
               </a:solidFill>
@@ -7473,24 +7473,31 @@
         </p:spPr>
         <p:txBody>
           <a:bodyPr>
-            <a:normAutofit/>
+            <a:normAutofit fontScale="92500" lnSpcReduction="10000"/>
           </a:bodyPr>
           <a:lstStyle/>
           <a:p>
+            <a:pPr>
+              <a:lnSpc>
+                <a:spcPct val="150000"/>
+              </a:lnSpc>
+            </a:pPr>
             <a:r>
               <a:rPr lang="en-US" altLang="ko-KR" sz="2400" b="1" dirty="0"/>
               <a:t>RMSE</a:t>
             </a:r>
             <a:r>
               <a:rPr lang="ko-KR" altLang="en-US" sz="2400" b="1" dirty="0"/>
-              <a:t>는 예측 평점과 실제 평점 간의 평균적인 오차를 나타냅니다</a:t>
-            </a:r>
-            <a:r>
-              <a:rPr lang="en-US" altLang="ko-KR" sz="2400" b="1" dirty="0"/>
-              <a:t>.</a:t>
-            </a:r>
-          </a:p>
-          <a:p>
+              <a:t>는 예측 평점과 실제 평점 간의 평균적인 오차를 나타냄</a:t>
+            </a:r>
+            <a:endParaRPr lang="en-US" altLang="ko-KR" sz="2400" b="1" dirty="0"/>
+          </a:p>
+          <a:p>
+            <a:pPr>
+              <a:lnSpc>
+                <a:spcPct val="150000"/>
+              </a:lnSpc>
+            </a:pPr>
             <a:r>
               <a:rPr lang="ko-KR" altLang="en-US" sz="2400" b="1" dirty="0"/>
               <a:t>평균 </a:t>
@@ -7525,14 +7532,16 @@
             </a:r>
             <a:r>
               <a:rPr lang="ko-KR" altLang="en-US" sz="2400" b="1" dirty="0"/>
-              <a:t>점 정도의 오차를 가지고 있음을 의미합니다</a:t>
-            </a:r>
-            <a:r>
-              <a:rPr lang="en-US" altLang="ko-KR" sz="2400" b="1" dirty="0"/>
-              <a:t>.</a:t>
-            </a:r>
-          </a:p>
-          <a:p>
+              <a:t>점 정도의 오차를 가지고 있음을 의미</a:t>
+            </a:r>
+            <a:endParaRPr lang="en-US" altLang="ko-KR" sz="2400" b="1" dirty="0"/>
+          </a:p>
+          <a:p>
+            <a:pPr>
+              <a:lnSpc>
+                <a:spcPct val="150000"/>
+              </a:lnSpc>
+            </a:pPr>
             <a:r>
               <a:rPr lang="ko-KR" altLang="en-US" sz="2400" b="1" dirty="0"/>
               <a:t>표준 편차</a:t>
@@ -7559,13 +7568,8 @@
             </a:r>
             <a:r>
               <a:rPr lang="ko-KR" altLang="en-US" sz="2400" b="1" dirty="0"/>
-              <a:t>결과가 비교적 안정적이라고 볼 수 있습니다</a:t>
-            </a:r>
-            <a:r>
-              <a:rPr lang="en-US" altLang="ko-KR" sz="2400" b="1" dirty="0"/>
-              <a:t>.</a:t>
-            </a:r>
-            <a:endParaRPr lang="ko-KR" altLang="en-US" sz="2400" b="1" dirty="0"/>
+              <a:t>결과가 비교적 안정적</a:t>
+            </a:r>
           </a:p>
         </p:txBody>
       </p:sp>
@@ -7698,12 +7702,8 @@
           <a:lstStyle/>
           <a:p>
             <a:r>
-              <a:rPr lang="en-US" altLang="ko-KR" b="1" dirty="0" err="1"/>
-              <a:t>Collavorative</a:t>
-            </a:r>
-            <a:r>
               <a:rPr lang="en-US" altLang="ko-KR" b="1" dirty="0"/>
-              <a:t> Filtering</a:t>
+              <a:t>Collaborative Filtering</a:t>
             </a:r>
             <a:endParaRPr lang="ko-KR" altLang="en-US" b="1" dirty="0"/>
           </a:p>
@@ -7792,10 +7792,15 @@
         </p:spPr>
         <p:txBody>
           <a:bodyPr>
-            <a:normAutofit/>
+            <a:normAutofit fontScale="92500" lnSpcReduction="10000"/>
           </a:bodyPr>
           <a:lstStyle/>
           <a:p>
+            <a:pPr>
+              <a:lnSpc>
+                <a:spcPct val="150000"/>
+              </a:lnSpc>
+            </a:pPr>
             <a:r>
               <a:rPr lang="en-US" altLang="ko-KR" sz="2400" b="1" dirty="0"/>
               <a:t>MAE</a:t>
@@ -7807,6 +7812,11 @@
             <a:endParaRPr lang="en-US" altLang="ko-KR" sz="2400" b="1" dirty="0"/>
           </a:p>
           <a:p>
+            <a:pPr>
+              <a:lnSpc>
+                <a:spcPct val="150000"/>
+              </a:lnSpc>
+            </a:pPr>
             <a:r>
               <a:rPr lang="ko-KR" altLang="en-US" sz="2400" b="1" dirty="0"/>
               <a:t>평균 </a:t>
@@ -7846,6 +7856,11 @@
             <a:endParaRPr lang="en-US" altLang="ko-KR" sz="2400" b="1" dirty="0"/>
           </a:p>
           <a:p>
+            <a:pPr>
+              <a:lnSpc>
+                <a:spcPct val="150000"/>
+              </a:lnSpc>
+            </a:pPr>
             <a:r>
               <a:rPr lang="en-US" altLang="ko-KR" sz="2400" b="1" dirty="0"/>
               <a:t>MAE</a:t>
@@ -8172,116 +8187,6 @@
         <p:cNvPr id="1" name="">
           <a:extLst>
             <a:ext uri="{FF2B5EF4-FFF2-40B4-BE49-F238E27FC236}">
-              <a16:creationId xmlns:a16="http://schemas.microsoft.com/office/drawing/2014/main" id="{95DD2E06-6405-23C8-B549-1E827DA7462B}"/>
-            </a:ext>
-          </a:extLst>
-        </p:cNvPr>
-        <p:cNvGrpSpPr/>
-        <p:nvPr/>
-      </p:nvGrpSpPr>
-      <p:grpSpPr>
-        <a:xfrm>
-          <a:off x="0" y="0"/>
-          <a:ext cx="0" cy="0"/>
-          <a:chOff x="0" y="0"/>
-          <a:chExt cx="0" cy="0"/>
-        </a:xfrm>
-      </p:grpSpPr>
-      <p:sp>
-        <p:nvSpPr>
-          <p:cNvPr id="7" name="제목 1">
-            <a:extLst>
-              <a:ext uri="{FF2B5EF4-FFF2-40B4-BE49-F238E27FC236}">
-                <a16:creationId xmlns:a16="http://schemas.microsoft.com/office/drawing/2014/main" id="{B6CB9F08-FD07-FDCB-2729-609BEB8B7A73}"/>
-              </a:ext>
-            </a:extLst>
-          </p:cNvPr>
-          <p:cNvSpPr>
-            <a:spLocks noGrp="1"/>
-          </p:cNvSpPr>
-          <p:nvPr>
-            <p:ph type="title"/>
-          </p:nvPr>
-        </p:nvSpPr>
-        <p:spPr>
-          <a:xfrm>
-            <a:off x="838200" y="365125"/>
-            <a:ext cx="10515600" cy="1325563"/>
-          </a:xfrm>
-        </p:spPr>
-        <p:txBody>
-          <a:bodyPr/>
-          <a:lstStyle/>
-          <a:p>
-            <a:pPr lvl="0"/>
-            <a:r>
-              <a:rPr lang="en-US" altLang="ko-KR" b="1" dirty="0"/>
-              <a:t>TF-IDF</a:t>
-            </a:r>
-            <a:r>
-              <a:rPr lang="ko-KR" altLang="ko-KR" b="1" dirty="0"/>
-              <a:t> 벡터화를 통한 유사도 계산</a:t>
-            </a:r>
-            <a:endParaRPr lang="en-US" altLang="ko-KR" dirty="0"/>
-          </a:p>
-        </p:txBody>
-      </p:sp>
-      <p:pic>
-        <p:nvPicPr>
-          <p:cNvPr id="8" name="내용 개체 틀 7" descr="텍스트, 폰트, 스크린샷이(가) 표시된 사진&#10;&#10;자동 생성된 설명">
-            <a:extLst>
-              <a:ext uri="{FF2B5EF4-FFF2-40B4-BE49-F238E27FC236}">
-                <a16:creationId xmlns:a16="http://schemas.microsoft.com/office/drawing/2014/main" id="{E827054F-E4A5-0B34-15BD-98160B0CE92A}"/>
-              </a:ext>
-            </a:extLst>
-          </p:cNvPr>
-          <p:cNvPicPr>
-            <a:picLocks noGrp="1" noChangeAspect="1"/>
-          </p:cNvPicPr>
-          <p:nvPr>
-            <p:ph idx="1"/>
-          </p:nvPr>
-        </p:nvPicPr>
-        <p:blipFill>
-          <a:blip r:embed="rId2">
-            <a:extLst>
-              <a:ext uri="{28A0092B-C50C-407E-A947-70E740481C1C}">
-                <a14:useLocalDpi xmlns:a14="http://schemas.microsoft.com/office/drawing/2010/main" val="0"/>
-              </a:ext>
-            </a:extLst>
-          </a:blip>
-          <a:stretch>
-            <a:fillRect/>
-          </a:stretch>
-        </p:blipFill>
-        <p:spPr>
-          <a:xfrm>
-            <a:off x="906760" y="2208771"/>
-            <a:ext cx="8521257" cy="2440457"/>
-          </a:xfrm>
-        </p:spPr>
-      </p:pic>
-    </p:spTree>
-    <p:extLst>
-      <p:ext uri="{BB962C8B-B14F-4D97-AF65-F5344CB8AC3E}">
-        <p14:creationId xmlns:p14="http://schemas.microsoft.com/office/powerpoint/2010/main" val="3430820920"/>
-      </p:ext>
-    </p:extLst>
-  </p:cSld>
-  <p:clrMapOvr>
-    <a:masterClrMapping/>
-  </p:clrMapOvr>
-</p:sld>
-</file>
-
-<file path=ppt/slides/slide17.xml><?xml version="1.0" encoding="utf-8"?>
-<p:sld xmlns:a="http://schemas.openxmlformats.org/drawingml/2006/main" xmlns:r="http://schemas.openxmlformats.org/officeDocument/2006/relationships" xmlns:p="http://schemas.openxmlformats.org/presentationml/2006/main">
-  <p:cSld>
-    <p:spTree>
-      <p:nvGrpSpPr>
-        <p:cNvPr id="1" name="">
-          <a:extLst>
-            <a:ext uri="{FF2B5EF4-FFF2-40B4-BE49-F238E27FC236}">
               <a16:creationId xmlns:a16="http://schemas.microsoft.com/office/drawing/2014/main" id="{37DFC530-7B94-A39A-7B8C-DAEC15FC1F57}"/>
             </a:ext>
           </a:extLst>
@@ -8330,7 +8235,7 @@
             </a:pPr>
             <a:r>
               <a:rPr lang="ko-KR" altLang="en-US" sz="2400" b="1" dirty="0"/>
-              <a:t>따로 사용자 데이터를 사용하지 않았기 때문에 </a:t>
+              <a:t>사용자 데이터를 사용하지 않아 </a:t>
             </a:r>
             <a:r>
               <a:rPr lang="ko-KR" altLang="en-US" sz="2400" b="1" dirty="0" err="1"/>
@@ -8338,16 +8243,31 @@
             </a:r>
             <a:r>
               <a:rPr lang="ko-KR" altLang="en-US" sz="2400" b="1" dirty="0"/>
-              <a:t> 파라미터를 다르게 설정해도 </a:t>
-            </a:r>
+              <a:t> 파라미터를 다르게 설정해도</a:t>
+            </a:r>
+            <a:endParaRPr lang="en-US" altLang="ko-KR" sz="2400" b="1" dirty="0"/>
+          </a:p>
+          <a:p>
+            <a:pPr marL="0" indent="0">
+              <a:buNone/>
+            </a:pPr>
             <a:r>
               <a:rPr lang="en-US" altLang="ko-KR" sz="2400" b="1" dirty="0"/>
               <a:t>RMSE</a:t>
             </a:r>
             <a:r>
               <a:rPr lang="ko-KR" altLang="en-US" sz="2400" b="1" dirty="0"/>
-              <a:t>가 비슷하게 출력됨</a:t>
-            </a:r>
+              <a:t>가 </a:t>
+            </a:r>
+            <a:r>
+              <a:rPr lang="en-US" altLang="ko-KR" sz="2400" b="1" dirty="0"/>
+              <a:t>0.86~0.92</a:t>
+            </a:r>
+            <a:r>
+              <a:rPr lang="ko-KR" altLang="en-US" sz="2400" b="1" dirty="0"/>
+              <a:t>로 비슷하게 출력됨</a:t>
+            </a:r>
+            <a:endParaRPr lang="en-US" altLang="ko-KR" sz="2400" b="1" dirty="0"/>
           </a:p>
         </p:txBody>
       </p:sp>
@@ -8447,7 +8367,7 @@
 </p:sld>
 </file>
 
-<file path=ppt/slides/slide18.xml><?xml version="1.0" encoding="utf-8"?>
+<file path=ppt/slides/slide17.xml><?xml version="1.0" encoding="utf-8"?>
 <p:sld xmlns:a="http://schemas.openxmlformats.org/drawingml/2006/main" xmlns:r="http://schemas.openxmlformats.org/officeDocument/2006/relationships" xmlns:p="http://schemas.openxmlformats.org/presentationml/2006/main">
   <p:cSld>
     <p:bg>
@@ -9473,7 +9393,7 @@
 </p:sld>
 </file>
 
-<file path=ppt/slides/slide19.xml><?xml version="1.0" encoding="utf-8"?>
+<file path=ppt/slides/slide18.xml><?xml version="1.0" encoding="utf-8"?>
 <p:sld xmlns:a="http://schemas.openxmlformats.org/drawingml/2006/main" xmlns:r="http://schemas.openxmlformats.org/officeDocument/2006/relationships" xmlns:p="http://schemas.openxmlformats.org/presentationml/2006/main">
   <p:cSld>
     <p:bg>
@@ -9486,13 +9406,7 @@
     </p:bg>
     <p:spTree>
       <p:nvGrpSpPr>
-        <p:cNvPr id="1" name="">
-          <a:extLst>
-            <a:ext uri="{FF2B5EF4-FFF2-40B4-BE49-F238E27FC236}">
-              <a16:creationId xmlns:a16="http://schemas.microsoft.com/office/drawing/2014/main" id="{61EFF828-BAE2-316B-8537-4830EE9E163E}"/>
-            </a:ext>
-          </a:extLst>
-        </p:cNvPr>
+        <p:cNvPr id="1" name=""/>
         <p:cNvGrpSpPr/>
         <p:nvPr/>
       </p:nvGrpSpPr>
@@ -9506,10 +9420,10 @@
       </p:grpSpPr>
       <p:sp useBgFill="1">
         <p:nvSpPr>
-          <p:cNvPr id="17" name="Rectangle 16">
+          <p:cNvPr id="25" name="Rectangle 16">
             <a:extLst>
               <a:ext uri="{FF2B5EF4-FFF2-40B4-BE49-F238E27FC236}">
-                <a16:creationId xmlns:a16="http://schemas.microsoft.com/office/drawing/2014/main" id="{70155189-D96C-4527-B0EC-654B946BE615}"/>
+                <a16:creationId xmlns:a16="http://schemas.microsoft.com/office/drawing/2014/main" id="{42A4FC2C-047E-45A5-965D-8E1E3BF09BC6}"/>
               </a:ext>
               <a:ext uri="{C183D7F6-B498-43B3-948B-1728B52AA6E4}">
                 <adec:decorative xmlns:adec="http://schemas.microsoft.com/office/drawing/2017/decorative" val="1"/>
@@ -9527,9 +9441,9 @@
             </p:extLst>
           </p:nvPr>
         </p:nvSpPr>
-        <p:spPr>
+        <p:spPr bwMode="white">
           <a:xfrm>
-            <a:off x="-1" y="0"/>
+            <a:off x="1524" y="0"/>
             <a:ext cx="12188952" cy="6858000"/>
           </a:xfrm>
           <a:prstGeom prst="rect">
@@ -9557,7 +9471,101 @@
         </p:style>
         <p:txBody>
           <a:bodyPr rtlCol="0" anchor="ctr"/>
-          <a:lstStyle/>
+          <a:lstStyle>
+            <a:defPPr>
+              <a:defRPr lang="en-US"/>
+            </a:defPPr>
+            <a:lvl1pPr marL="0" algn="l" defTabSz="914400" rtl="0" eaLnBrk="1" latinLnBrk="0" hangingPunct="1">
+              <a:defRPr sz="1800" kern="1200">
+                <a:solidFill>
+                  <a:schemeClr val="lt1"/>
+                </a:solidFill>
+                <a:latin typeface="+mn-lt"/>
+                <a:ea typeface="+mn-ea"/>
+                <a:cs typeface="+mn-cs"/>
+              </a:defRPr>
+            </a:lvl1pPr>
+            <a:lvl2pPr marL="457200" algn="l" defTabSz="914400" rtl="0" eaLnBrk="1" latinLnBrk="0" hangingPunct="1">
+              <a:defRPr sz="1800" kern="1200">
+                <a:solidFill>
+                  <a:schemeClr val="lt1"/>
+                </a:solidFill>
+                <a:latin typeface="+mn-lt"/>
+                <a:ea typeface="+mn-ea"/>
+                <a:cs typeface="+mn-cs"/>
+              </a:defRPr>
+            </a:lvl2pPr>
+            <a:lvl3pPr marL="914400" algn="l" defTabSz="914400" rtl="0" eaLnBrk="1" latinLnBrk="0" hangingPunct="1">
+              <a:defRPr sz="1800" kern="1200">
+                <a:solidFill>
+                  <a:schemeClr val="lt1"/>
+                </a:solidFill>
+                <a:latin typeface="+mn-lt"/>
+                <a:ea typeface="+mn-ea"/>
+                <a:cs typeface="+mn-cs"/>
+              </a:defRPr>
+            </a:lvl3pPr>
+            <a:lvl4pPr marL="1371600" algn="l" defTabSz="914400" rtl="0" eaLnBrk="1" latinLnBrk="0" hangingPunct="1">
+              <a:defRPr sz="1800" kern="1200">
+                <a:solidFill>
+                  <a:schemeClr val="lt1"/>
+                </a:solidFill>
+                <a:latin typeface="+mn-lt"/>
+                <a:ea typeface="+mn-ea"/>
+                <a:cs typeface="+mn-cs"/>
+              </a:defRPr>
+            </a:lvl4pPr>
+            <a:lvl5pPr marL="1828800" algn="l" defTabSz="914400" rtl="0" eaLnBrk="1" latinLnBrk="0" hangingPunct="1">
+              <a:defRPr sz="1800" kern="1200">
+                <a:solidFill>
+                  <a:schemeClr val="lt1"/>
+                </a:solidFill>
+                <a:latin typeface="+mn-lt"/>
+                <a:ea typeface="+mn-ea"/>
+                <a:cs typeface="+mn-cs"/>
+              </a:defRPr>
+            </a:lvl5pPr>
+            <a:lvl6pPr marL="2286000" algn="l" defTabSz="914400" rtl="0" eaLnBrk="1" latinLnBrk="0" hangingPunct="1">
+              <a:defRPr sz="1800" kern="1200">
+                <a:solidFill>
+                  <a:schemeClr val="lt1"/>
+                </a:solidFill>
+                <a:latin typeface="+mn-lt"/>
+                <a:ea typeface="+mn-ea"/>
+                <a:cs typeface="+mn-cs"/>
+              </a:defRPr>
+            </a:lvl6pPr>
+            <a:lvl7pPr marL="2743200" algn="l" defTabSz="914400" rtl="0" eaLnBrk="1" latinLnBrk="0" hangingPunct="1">
+              <a:defRPr sz="1800" kern="1200">
+                <a:solidFill>
+                  <a:schemeClr val="lt1"/>
+                </a:solidFill>
+                <a:latin typeface="+mn-lt"/>
+                <a:ea typeface="+mn-ea"/>
+                <a:cs typeface="+mn-cs"/>
+              </a:defRPr>
+            </a:lvl7pPr>
+            <a:lvl8pPr marL="3200400" algn="l" defTabSz="914400" rtl="0" eaLnBrk="1" latinLnBrk="0" hangingPunct="1">
+              <a:defRPr sz="1800" kern="1200">
+                <a:solidFill>
+                  <a:schemeClr val="lt1"/>
+                </a:solidFill>
+                <a:latin typeface="+mn-lt"/>
+                <a:ea typeface="+mn-ea"/>
+                <a:cs typeface="+mn-cs"/>
+              </a:defRPr>
+            </a:lvl8pPr>
+            <a:lvl9pPr marL="3657600" algn="l" defTabSz="914400" rtl="0" eaLnBrk="1" latinLnBrk="0" hangingPunct="1">
+              <a:defRPr sz="1800" kern="1200">
+                <a:solidFill>
+                  <a:schemeClr val="lt1"/>
+                </a:solidFill>
+                <a:latin typeface="+mn-lt"/>
+                <a:ea typeface="+mn-ea"/>
+                <a:cs typeface="+mn-cs"/>
+              </a:defRPr>
+            </a:lvl9pPr>
+          </a:lstStyle>
           <a:p>
             <a:pPr algn="ctr"/>
             <a:endParaRPr lang="en-US"/>
@@ -9566,10 +9574,10 @@
       </p:sp>
       <p:pic>
         <p:nvPicPr>
-          <p:cNvPr id="12" name="그림 11" descr="텍스트, 스크린샷, 메뉴, 폰트이(가) 표시된 사진&#10;&#10;자동 생성된 설명">
+          <p:cNvPr id="10" name="그림 9" descr="텍스트, 스크린샷, 폰트, 메뉴이(가) 표시된 사진&#10;&#10;자동 생성된 설명">
             <a:extLst>
               <a:ext uri="{FF2B5EF4-FFF2-40B4-BE49-F238E27FC236}">
-                <a16:creationId xmlns:a16="http://schemas.microsoft.com/office/drawing/2014/main" id="{C57F553E-D1F9-693C-26D8-9EFA87256FAA}"/>
+                <a16:creationId xmlns:a16="http://schemas.microsoft.com/office/drawing/2014/main" id="{4EDE401E-AFCD-67A4-6A14-6AE2DD3C2E99}"/>
               </a:ext>
             </a:extLst>
           </p:cNvPr>
@@ -9586,13 +9594,13 @@
               </a:ext>
             </a:extLst>
           </a:blip>
-          <a:srcRect t="10675" r="-3" b="29051"/>
+          <a:srcRect r="23141" b="3"/>
           <a:stretch/>
         </p:blipFill>
         <p:spPr>
           <a:xfrm>
-            <a:off x="260063" y="1541217"/>
-            <a:ext cx="3666922" cy="4884277"/>
+            <a:off x="4441636" y="557188"/>
+            <a:ext cx="3462131" cy="5751713"/>
           </a:xfrm>
           <a:prstGeom prst="rect">
             <a:avLst/>
@@ -9601,10 +9609,10 @@
       </p:pic>
       <p:pic>
         <p:nvPicPr>
-          <p:cNvPr id="10" name="그림 9" descr="텍스트, 스크린샷, 폰트, 메뉴이(가) 표시된 사진&#10;&#10;자동 생성된 설명">
+          <p:cNvPr id="12" name="그림 11" descr="텍스트, 스크린샷, 메뉴, 폰트이(가) 표시된 사진&#10;&#10;자동 생성된 설명">
             <a:extLst>
               <a:ext uri="{FF2B5EF4-FFF2-40B4-BE49-F238E27FC236}">
-                <a16:creationId xmlns:a16="http://schemas.microsoft.com/office/drawing/2014/main" id="{4EDE401E-AFCD-67A4-6A14-6AE2DD3C2E99}"/>
+                <a16:creationId xmlns:a16="http://schemas.microsoft.com/office/drawing/2014/main" id="{C57F553E-D1F9-693C-26D8-9EFA87256FAA}"/>
               </a:ext>
             </a:extLst>
           </p:cNvPr>
@@ -9621,13 +9629,13 @@
               </a:ext>
             </a:extLst>
           </a:blip>
-          <a:srcRect r="3537" b="-2"/>
+          <a:srcRect t="1319" b="19696"/>
           <a:stretch/>
         </p:blipFill>
         <p:spPr>
           <a:xfrm>
-            <a:off x="4251165" y="1541217"/>
-            <a:ext cx="3689670" cy="4884277"/>
+            <a:off x="8320436" y="557188"/>
+            <a:ext cx="3295096" cy="5751713"/>
           </a:xfrm>
           <a:prstGeom prst="rect">
             <a:avLst/>
@@ -9644,11 +9652,9 @@
             </a:extLst>
           </p:cNvPr>
           <p:cNvPicPr>
-            <a:picLocks noGrp="1" noChangeAspect="1"/>
+            <a:picLocks noChangeAspect="1"/>
           </p:cNvPicPr>
-          <p:nvPr>
-            <p:ph idx="1"/>
-          </p:nvPr>
+          <p:nvPr/>
         </p:nvPicPr>
         <p:blipFill>
           <a:blip r:embed="rId4">
@@ -9658,25 +9664,157 @@
               </a:ext>
             </a:extLst>
           </a:blip>
-          <a:srcRect r="38810" b="2"/>
+          <a:srcRect r="51257" b="-2"/>
           <a:stretch/>
         </p:blipFill>
         <p:spPr>
           <a:xfrm>
-            <a:off x="8258545" y="1541217"/>
-            <a:ext cx="3667176" cy="4884277"/>
+            <a:off x="585108" y="557188"/>
+            <a:ext cx="3439859" cy="5751713"/>
           </a:xfrm>
           <a:prstGeom prst="rect">
             <a:avLst/>
           </a:prstGeom>
         </p:spPr>
       </p:pic>
+    </p:spTree>
+    <p:extLst>
+      <p:ext uri="{BB962C8B-B14F-4D97-AF65-F5344CB8AC3E}">
+        <p14:creationId xmlns:p14="http://schemas.microsoft.com/office/powerpoint/2010/main" val="2515613282"/>
+      </p:ext>
+    </p:extLst>
+  </p:cSld>
+  <p:clrMapOvr>
+    <a:masterClrMapping/>
+  </p:clrMapOvr>
+</p:sld>
+</file>
+
+<file path=ppt/slides/slide19.xml><?xml version="1.0" encoding="utf-8"?>
+<p:sld xmlns:a="http://schemas.openxmlformats.org/drawingml/2006/main" xmlns:r="http://schemas.openxmlformats.org/officeDocument/2006/relationships" xmlns:p="http://schemas.openxmlformats.org/presentationml/2006/main">
+  <p:cSld>
+    <p:spTree>
+      <p:nvGrpSpPr>
+        <p:cNvPr id="1" name=""/>
+        <p:cNvGrpSpPr/>
+        <p:nvPr/>
+      </p:nvGrpSpPr>
+      <p:grpSpPr>
+        <a:xfrm>
+          <a:off x="0" y="0"/>
+          <a:ext cx="0" cy="0"/>
+          <a:chOff x="0" y="0"/>
+          <a:chExt cx="0" cy="0"/>
+        </a:xfrm>
+      </p:grpSpPr>
       <p:sp>
         <p:nvSpPr>
-          <p:cNvPr id="18" name="제목 17">
+          <p:cNvPr id="9" name="사각형: 둥근 모서리 8">
             <a:extLst>
               <a:ext uri="{FF2B5EF4-FFF2-40B4-BE49-F238E27FC236}">
-                <a16:creationId xmlns:a16="http://schemas.microsoft.com/office/drawing/2014/main" id="{F6EF1BE7-7B6D-5CEF-2A94-A1EFF4362FF7}"/>
+                <a16:creationId xmlns:a16="http://schemas.microsoft.com/office/drawing/2014/main" id="{C8403D56-9B18-5E4B-86C0-E2E8A0A101DD}"/>
+              </a:ext>
+            </a:extLst>
+          </p:cNvPr>
+          <p:cNvSpPr/>
+          <p:nvPr/>
+        </p:nvSpPr>
+        <p:spPr>
+          <a:xfrm>
+            <a:off x="1259456" y="3425240"/>
+            <a:ext cx="9661585" cy="2853203"/>
+          </a:xfrm>
+          <a:prstGeom prst="roundRect">
+            <a:avLst/>
+          </a:prstGeom>
+          <a:solidFill>
+            <a:schemeClr val="tx1"/>
+          </a:solidFill>
+        </p:spPr>
+        <p:style>
+          <a:lnRef idx="2">
+            <a:schemeClr val="accent1">
+              <a:shade val="15000"/>
+            </a:schemeClr>
+          </a:lnRef>
+          <a:fillRef idx="1">
+            <a:schemeClr val="accent1"/>
+          </a:fillRef>
+          <a:effectRef idx="0">
+            <a:schemeClr val="accent1"/>
+          </a:effectRef>
+          <a:fontRef idx="minor">
+            <a:schemeClr val="lt1"/>
+          </a:fontRef>
+        </p:style>
+        <p:txBody>
+          <a:bodyPr rtlCol="0" anchor="ctr"/>
+          <a:lstStyle/>
+          <a:p>
+            <a:pPr algn="ctr"/>
+            <a:endParaRPr lang="ko-KR" altLang="en-US" dirty="0">
+              <a:noFill/>
+            </a:endParaRPr>
+          </a:p>
+        </p:txBody>
+      </p:sp>
+      <p:sp>
+        <p:nvSpPr>
+          <p:cNvPr id="6" name="사각형: 둥근 모서리 5">
+            <a:extLst>
+              <a:ext uri="{FF2B5EF4-FFF2-40B4-BE49-F238E27FC236}">
+                <a16:creationId xmlns:a16="http://schemas.microsoft.com/office/drawing/2014/main" id="{4FCEBB5E-2050-5BDC-727E-60EA11CFC6DB}"/>
+              </a:ext>
+            </a:extLst>
+          </p:cNvPr>
+          <p:cNvSpPr/>
+          <p:nvPr/>
+        </p:nvSpPr>
+        <p:spPr>
+          <a:xfrm>
+            <a:off x="1259456" y="615417"/>
+            <a:ext cx="9661585" cy="2107781"/>
+          </a:xfrm>
+          <a:prstGeom prst="roundRect">
+            <a:avLst/>
+          </a:prstGeom>
+          <a:solidFill>
+            <a:schemeClr val="tx1"/>
+          </a:solidFill>
+        </p:spPr>
+        <p:style>
+          <a:lnRef idx="2">
+            <a:schemeClr val="accent1">
+              <a:shade val="15000"/>
+            </a:schemeClr>
+          </a:lnRef>
+          <a:fillRef idx="1">
+            <a:schemeClr val="accent1"/>
+          </a:fillRef>
+          <a:effectRef idx="0">
+            <a:schemeClr val="accent1"/>
+          </a:effectRef>
+          <a:fontRef idx="minor">
+            <a:schemeClr val="lt1"/>
+          </a:fontRef>
+        </p:style>
+        <p:txBody>
+          <a:bodyPr rtlCol="0" anchor="ctr"/>
+          <a:lstStyle/>
+          <a:p>
+            <a:pPr algn="ctr"/>
+            <a:endParaRPr lang="ko-KR" altLang="en-US" dirty="0">
+              <a:noFill/>
+            </a:endParaRPr>
+          </a:p>
+        </p:txBody>
+      </p:sp>
+      <p:sp>
+        <p:nvSpPr>
+          <p:cNvPr id="2" name="제목 1">
+            <a:extLst>
+              <a:ext uri="{FF2B5EF4-FFF2-40B4-BE49-F238E27FC236}">
+                <a16:creationId xmlns:a16="http://schemas.microsoft.com/office/drawing/2014/main" id="{D49B977B-E03E-A28B-2664-EDC9CF5735D8}"/>
               </a:ext>
             </a:extLst>
           </p:cNvPr>
@@ -9687,14 +9825,348 @@
             <p:ph type="title"/>
           </p:nvPr>
         </p:nvSpPr>
-        <p:spPr/>
+        <p:spPr>
+          <a:xfrm>
+            <a:off x="1516811" y="560657"/>
+            <a:ext cx="10515600" cy="1325563"/>
+          </a:xfrm>
+        </p:spPr>
         <p:txBody>
           <a:bodyPr/>
           <a:lstStyle/>
           <a:p>
             <a:r>
-              <a:rPr lang="ko-KR" altLang="en-US" b="1" dirty="0"/>
-              <a:t>추천 시스템 출력</a:t>
+              <a:rPr lang="ko-KR" altLang="en-US" b="1" dirty="0">
+                <a:solidFill>
+                  <a:schemeClr val="bg1"/>
+                </a:solidFill>
+              </a:rPr>
+              <a:t>한계점</a:t>
+            </a:r>
+          </a:p>
+        </p:txBody>
+      </p:sp>
+      <p:sp>
+        <p:nvSpPr>
+          <p:cNvPr id="3" name="내용 개체 틀 2">
+            <a:extLst>
+              <a:ext uri="{FF2B5EF4-FFF2-40B4-BE49-F238E27FC236}">
+                <a16:creationId xmlns:a16="http://schemas.microsoft.com/office/drawing/2014/main" id="{BC0E32C2-F4FE-CA4F-A70A-5BF8ECA389AB}"/>
+              </a:ext>
+            </a:extLst>
+          </p:cNvPr>
+          <p:cNvSpPr>
+            <a:spLocks noGrp="1"/>
+          </p:cNvSpPr>
+          <p:nvPr>
+            <p:ph idx="1"/>
+          </p:nvPr>
+        </p:nvSpPr>
+        <p:spPr>
+          <a:xfrm>
+            <a:off x="1516811" y="2021157"/>
+            <a:ext cx="10515600" cy="4351338"/>
+          </a:xfrm>
+        </p:spPr>
+        <p:txBody>
+          <a:bodyPr/>
+          <a:lstStyle/>
+          <a:p>
+            <a:pPr marL="0" indent="0">
+              <a:buNone/>
+            </a:pPr>
+            <a:r>
+              <a:rPr lang="ko-KR" altLang="en-US" b="1" dirty="0">
+                <a:solidFill>
+                  <a:schemeClr val="bg1"/>
+                </a:solidFill>
+              </a:rPr>
+              <a:t>사용자 데이터를 적용하지 않아 덜 구체적인 추천 내용</a:t>
+            </a:r>
+          </a:p>
+        </p:txBody>
+      </p:sp>
+      <p:sp>
+        <p:nvSpPr>
+          <p:cNvPr id="4" name="제목 1">
+            <a:extLst>
+              <a:ext uri="{FF2B5EF4-FFF2-40B4-BE49-F238E27FC236}">
+                <a16:creationId xmlns:a16="http://schemas.microsoft.com/office/drawing/2014/main" id="{AE8F2EBD-B001-8119-E5F4-9B67F15B80A6}"/>
+              </a:ext>
+            </a:extLst>
+          </p:cNvPr>
+          <p:cNvSpPr txBox="1">
+            <a:spLocks/>
+          </p:cNvSpPr>
+          <p:nvPr/>
+        </p:nvSpPr>
+        <p:spPr>
+          <a:xfrm>
+            <a:off x="1516811" y="3425240"/>
+            <a:ext cx="10515600" cy="1325563"/>
+          </a:xfrm>
+          <a:prstGeom prst="rect">
+            <a:avLst/>
+          </a:prstGeom>
+        </p:spPr>
+        <p:txBody>
+          <a:bodyPr vert="horz" lIns="91440" tIns="45720" rIns="91440" bIns="45720" rtlCol="0" anchor="ctr">
+            <a:normAutofit/>
+          </a:bodyPr>
+          <a:lstStyle>
+            <a:lvl1pPr algn="l" defTabSz="914400" rtl="0" eaLnBrk="1" latinLnBrk="1" hangingPunct="1">
+              <a:lnSpc>
+                <a:spcPct val="90000"/>
+              </a:lnSpc>
+              <a:spcBef>
+                <a:spcPct val="0"/>
+              </a:spcBef>
+              <a:buNone/>
+              <a:defRPr sz="4400" kern="1200">
+                <a:solidFill>
+                  <a:schemeClr val="tx1"/>
+                </a:solidFill>
+                <a:latin typeface="+mj-lt"/>
+                <a:ea typeface="+mj-ea"/>
+                <a:cs typeface="+mj-cs"/>
+              </a:defRPr>
+            </a:lvl1pPr>
+          </a:lstStyle>
+          <a:p>
+            <a:r>
+              <a:rPr lang="ko-KR" altLang="en-US" b="1" dirty="0">
+                <a:solidFill>
+                  <a:schemeClr val="bg1"/>
+                </a:solidFill>
+              </a:rPr>
+              <a:t>개선 사항</a:t>
+            </a:r>
+          </a:p>
+        </p:txBody>
+      </p:sp>
+      <p:sp>
+        <p:nvSpPr>
+          <p:cNvPr id="5" name="내용 개체 틀 2">
+            <a:extLst>
+              <a:ext uri="{FF2B5EF4-FFF2-40B4-BE49-F238E27FC236}">
+                <a16:creationId xmlns:a16="http://schemas.microsoft.com/office/drawing/2014/main" id="{610D9688-34DF-F98F-00A7-40E4CFE13912}"/>
+              </a:ext>
+            </a:extLst>
+          </p:cNvPr>
+          <p:cNvSpPr txBox="1">
+            <a:spLocks/>
+          </p:cNvSpPr>
+          <p:nvPr/>
+        </p:nvSpPr>
+        <p:spPr>
+          <a:xfrm>
+            <a:off x="1516811" y="4885740"/>
+            <a:ext cx="10515600" cy="1325563"/>
+          </a:xfrm>
+          <a:prstGeom prst="rect">
+            <a:avLst/>
+          </a:prstGeom>
+        </p:spPr>
+        <p:txBody>
+          <a:bodyPr vert="horz" lIns="91440" tIns="45720" rIns="91440" bIns="45720" rtlCol="0">
+            <a:normAutofit/>
+          </a:bodyPr>
+          <a:lstStyle>
+            <a:lvl1pPr marL="228600" indent="-228600" algn="l" defTabSz="914400" rtl="0" eaLnBrk="1" latinLnBrk="1" hangingPunct="1">
+              <a:lnSpc>
+                <a:spcPct val="90000"/>
+              </a:lnSpc>
+              <a:spcBef>
+                <a:spcPts val="1000"/>
+              </a:spcBef>
+              <a:buFont typeface="Arial" panose="020B0604020202020204" pitchFamily="34" charset="0"/>
+              <a:buChar char="•"/>
+              <a:defRPr sz="2800" kern="1200">
+                <a:solidFill>
+                  <a:schemeClr val="tx1"/>
+                </a:solidFill>
+                <a:latin typeface="+mn-lt"/>
+                <a:ea typeface="+mn-ea"/>
+                <a:cs typeface="+mn-cs"/>
+              </a:defRPr>
+            </a:lvl1pPr>
+            <a:lvl2pPr marL="685800" indent="-228600" algn="l" defTabSz="914400" rtl="0" eaLnBrk="1" latinLnBrk="1" hangingPunct="1">
+              <a:lnSpc>
+                <a:spcPct val="90000"/>
+              </a:lnSpc>
+              <a:spcBef>
+                <a:spcPts val="500"/>
+              </a:spcBef>
+              <a:buFont typeface="Arial" panose="020B0604020202020204" pitchFamily="34" charset="0"/>
+              <a:buChar char="•"/>
+              <a:defRPr sz="2400" kern="1200">
+                <a:solidFill>
+                  <a:schemeClr val="tx1"/>
+                </a:solidFill>
+                <a:latin typeface="+mn-lt"/>
+                <a:ea typeface="+mn-ea"/>
+                <a:cs typeface="+mn-cs"/>
+              </a:defRPr>
+            </a:lvl2pPr>
+            <a:lvl3pPr marL="1143000" indent="-228600" algn="l" defTabSz="914400" rtl="0" eaLnBrk="1" latinLnBrk="1" hangingPunct="1">
+              <a:lnSpc>
+                <a:spcPct val="90000"/>
+              </a:lnSpc>
+              <a:spcBef>
+                <a:spcPts val="500"/>
+              </a:spcBef>
+              <a:buFont typeface="Arial" panose="020B0604020202020204" pitchFamily="34" charset="0"/>
+              <a:buChar char="•"/>
+              <a:defRPr sz="2000" kern="1200">
+                <a:solidFill>
+                  <a:schemeClr val="tx1"/>
+                </a:solidFill>
+                <a:latin typeface="+mn-lt"/>
+                <a:ea typeface="+mn-ea"/>
+                <a:cs typeface="+mn-cs"/>
+              </a:defRPr>
+            </a:lvl3pPr>
+            <a:lvl4pPr marL="1600200" indent="-228600" algn="l" defTabSz="914400" rtl="0" eaLnBrk="1" latinLnBrk="1" hangingPunct="1">
+              <a:lnSpc>
+                <a:spcPct val="90000"/>
+              </a:lnSpc>
+              <a:spcBef>
+                <a:spcPts val="500"/>
+              </a:spcBef>
+              <a:buFont typeface="Arial" panose="020B0604020202020204" pitchFamily="34" charset="0"/>
+              <a:buChar char="•"/>
+              <a:defRPr sz="1800" kern="1200">
+                <a:solidFill>
+                  <a:schemeClr val="tx1"/>
+                </a:solidFill>
+                <a:latin typeface="+mn-lt"/>
+                <a:ea typeface="+mn-ea"/>
+                <a:cs typeface="+mn-cs"/>
+              </a:defRPr>
+            </a:lvl4pPr>
+            <a:lvl5pPr marL="2057400" indent="-228600" algn="l" defTabSz="914400" rtl="0" eaLnBrk="1" latinLnBrk="1" hangingPunct="1">
+              <a:lnSpc>
+                <a:spcPct val="90000"/>
+              </a:lnSpc>
+              <a:spcBef>
+                <a:spcPts val="500"/>
+              </a:spcBef>
+              <a:buFont typeface="Arial" panose="020B0604020202020204" pitchFamily="34" charset="0"/>
+              <a:buChar char="•"/>
+              <a:defRPr sz="1800" kern="1200">
+                <a:solidFill>
+                  <a:schemeClr val="tx1"/>
+                </a:solidFill>
+                <a:latin typeface="+mn-lt"/>
+                <a:ea typeface="+mn-ea"/>
+                <a:cs typeface="+mn-cs"/>
+              </a:defRPr>
+            </a:lvl5pPr>
+            <a:lvl6pPr marL="2514600" indent="-228600" algn="l" defTabSz="914400" rtl="0" eaLnBrk="1" latinLnBrk="1" hangingPunct="1">
+              <a:lnSpc>
+                <a:spcPct val="90000"/>
+              </a:lnSpc>
+              <a:spcBef>
+                <a:spcPts val="500"/>
+              </a:spcBef>
+              <a:buFont typeface="Arial" panose="020B0604020202020204" pitchFamily="34" charset="0"/>
+              <a:buChar char="•"/>
+              <a:defRPr sz="1800" kern="1200">
+                <a:solidFill>
+                  <a:schemeClr val="tx1"/>
+                </a:solidFill>
+                <a:latin typeface="+mn-lt"/>
+                <a:ea typeface="+mn-ea"/>
+                <a:cs typeface="+mn-cs"/>
+              </a:defRPr>
+            </a:lvl6pPr>
+            <a:lvl7pPr marL="2971800" indent="-228600" algn="l" defTabSz="914400" rtl="0" eaLnBrk="1" latinLnBrk="1" hangingPunct="1">
+              <a:lnSpc>
+                <a:spcPct val="90000"/>
+              </a:lnSpc>
+              <a:spcBef>
+                <a:spcPts val="500"/>
+              </a:spcBef>
+              <a:buFont typeface="Arial" panose="020B0604020202020204" pitchFamily="34" charset="0"/>
+              <a:buChar char="•"/>
+              <a:defRPr sz="1800" kern="1200">
+                <a:solidFill>
+                  <a:schemeClr val="tx1"/>
+                </a:solidFill>
+                <a:latin typeface="+mn-lt"/>
+                <a:ea typeface="+mn-ea"/>
+                <a:cs typeface="+mn-cs"/>
+              </a:defRPr>
+            </a:lvl7pPr>
+            <a:lvl8pPr marL="3429000" indent="-228600" algn="l" defTabSz="914400" rtl="0" eaLnBrk="1" latinLnBrk="1" hangingPunct="1">
+              <a:lnSpc>
+                <a:spcPct val="90000"/>
+              </a:lnSpc>
+              <a:spcBef>
+                <a:spcPts val="500"/>
+              </a:spcBef>
+              <a:buFont typeface="Arial" panose="020B0604020202020204" pitchFamily="34" charset="0"/>
+              <a:buChar char="•"/>
+              <a:defRPr sz="1800" kern="1200">
+                <a:solidFill>
+                  <a:schemeClr val="tx1"/>
+                </a:solidFill>
+                <a:latin typeface="+mn-lt"/>
+                <a:ea typeface="+mn-ea"/>
+                <a:cs typeface="+mn-cs"/>
+              </a:defRPr>
+            </a:lvl8pPr>
+            <a:lvl9pPr marL="3886200" indent="-228600" algn="l" defTabSz="914400" rtl="0" eaLnBrk="1" latinLnBrk="1" hangingPunct="1">
+              <a:lnSpc>
+                <a:spcPct val="90000"/>
+              </a:lnSpc>
+              <a:spcBef>
+                <a:spcPts val="500"/>
+              </a:spcBef>
+              <a:buFont typeface="Arial" panose="020B0604020202020204" pitchFamily="34" charset="0"/>
+              <a:buChar char="•"/>
+              <a:defRPr sz="1800" kern="1200">
+                <a:solidFill>
+                  <a:schemeClr val="tx1"/>
+                </a:solidFill>
+                <a:latin typeface="+mn-lt"/>
+                <a:ea typeface="+mn-ea"/>
+                <a:cs typeface="+mn-cs"/>
+              </a:defRPr>
+            </a:lvl9pPr>
+          </a:lstStyle>
+          <a:p>
+            <a:pPr marL="0" indent="0">
+              <a:buNone/>
+            </a:pPr>
+            <a:r>
+              <a:rPr lang="ko-KR" altLang="en-US" b="1" dirty="0">
+                <a:solidFill>
+                  <a:schemeClr val="bg1"/>
+                </a:solidFill>
+              </a:rPr>
+              <a:t>사용자 데이터를 추가하고 모델들을 병합하여</a:t>
+            </a:r>
+            <a:r>
+              <a:rPr lang="en-US" altLang="ko-KR" b="1" dirty="0">
+                <a:solidFill>
+                  <a:schemeClr val="bg1"/>
+                </a:solidFill>
+              </a:rPr>
+              <a:t> </a:t>
+            </a:r>
+          </a:p>
+          <a:p>
+            <a:pPr marL="0" indent="0">
+              <a:buNone/>
+            </a:pPr>
+            <a:r>
+              <a:rPr lang="ko-KR" altLang="en-US" b="1" dirty="0">
+                <a:solidFill>
+                  <a:schemeClr val="bg1"/>
+                </a:solidFill>
+              </a:rPr>
+              <a:t>더 구체적인 추천 시스템 구축</a:t>
             </a:r>
           </a:p>
         </p:txBody>
@@ -9702,7 +10174,7 @@
     </p:spTree>
     <p:extLst>
       <p:ext uri="{BB962C8B-B14F-4D97-AF65-F5344CB8AC3E}">
-        <p14:creationId xmlns:p14="http://schemas.microsoft.com/office/powerpoint/2010/main" val="3944144837"/>
+        <p14:creationId xmlns:p14="http://schemas.microsoft.com/office/powerpoint/2010/main" val="1511543763"/>
       </p:ext>
     </p:extLst>
   </p:cSld>
@@ -9994,7 +10466,7 @@
         </p:spPr>
         <p:txBody>
           <a:bodyPr>
-            <a:normAutofit/>
+            <a:normAutofit fontScale="92500" lnSpcReduction="10000"/>
           </a:bodyPr>
           <a:lstStyle/>
           <a:p>
@@ -10027,9 +10499,10 @@
               </a:lnSpc>
             </a:pPr>
             <a:r>
-              <a:rPr lang="en-US" altLang="ko-KR" sz="3200" b="1" dirty="0"/>
-              <a:t>Content Based Filtering</a:t>
-            </a:r>
+              <a:rPr lang="ko-KR" altLang="en-US" sz="3200" b="1" dirty="0"/>
+              <a:t>비교 결과</a:t>
+            </a:r>
+            <a:endParaRPr lang="en-US" altLang="ko-KR" sz="3200" b="1" dirty="0"/>
           </a:p>
           <a:p>
             <a:pPr>
@@ -10039,8 +10512,28 @@
             </a:pPr>
             <a:r>
               <a:rPr lang="ko-KR" altLang="en-US" sz="3200" b="1" dirty="0"/>
-              <a:t>결론</a:t>
-            </a:r>
+              <a:t>추천 시스템</a:t>
+            </a:r>
+            <a:endParaRPr lang="en-US" altLang="ko-KR" sz="3200" b="1" dirty="0"/>
+          </a:p>
+          <a:p>
+            <a:pPr>
+              <a:lnSpc>
+                <a:spcPct val="150000"/>
+              </a:lnSpc>
+            </a:pPr>
+            <a:r>
+              <a:rPr lang="ko-KR" altLang="en-US" sz="3200" b="1" dirty="0"/>
+              <a:t>한계점 및 개선사항</a:t>
+            </a:r>
+            <a:endParaRPr lang="en-US" altLang="ko-KR" sz="3200" b="1" dirty="0"/>
+          </a:p>
+          <a:p>
+            <a:pPr>
+              <a:lnSpc>
+                <a:spcPct val="150000"/>
+              </a:lnSpc>
+            </a:pPr>
             <a:endParaRPr lang="en-US" altLang="ko-KR" sz="3200" b="1" dirty="0"/>
           </a:p>
           <a:p>
